--- a/Kai_ppt.pptx
+++ b/Kai_ppt.pptx
@@ -290,7 +290,7 @@
           <a:p>
             <a:fld id="{09151B69-F0B1-4D1E-BEAA-664904E83C3A}" type="datetimeFigureOut">
               <a:rPr lang="zh-TW" altLang="en-US" smtClean="0"/>
-              <a:t>2017/4/23</a:t>
+              <a:t>2017/4/24</a:t>
             </a:fld>
             <a:endParaRPr lang="zh-TW" altLang="en-US"/>
           </a:p>
@@ -460,7 +460,7 @@
           <a:p>
             <a:fld id="{09151B69-F0B1-4D1E-BEAA-664904E83C3A}" type="datetimeFigureOut">
               <a:rPr lang="zh-TW" altLang="en-US" smtClean="0"/>
-              <a:t>2017/4/23</a:t>
+              <a:t>2017/4/24</a:t>
             </a:fld>
             <a:endParaRPr lang="zh-TW" altLang="en-US"/>
           </a:p>
@@ -640,7 +640,7 @@
           <a:p>
             <a:fld id="{09151B69-F0B1-4D1E-BEAA-664904E83C3A}" type="datetimeFigureOut">
               <a:rPr lang="zh-TW" altLang="en-US" smtClean="0"/>
-              <a:t>2017/4/23</a:t>
+              <a:t>2017/4/24</a:t>
             </a:fld>
             <a:endParaRPr lang="zh-TW" altLang="en-US"/>
           </a:p>
@@ -810,7 +810,7 @@
           <a:p>
             <a:fld id="{09151B69-F0B1-4D1E-BEAA-664904E83C3A}" type="datetimeFigureOut">
               <a:rPr lang="zh-TW" altLang="en-US" smtClean="0"/>
-              <a:t>2017/4/23</a:t>
+              <a:t>2017/4/24</a:t>
             </a:fld>
             <a:endParaRPr lang="zh-TW" altLang="en-US"/>
           </a:p>
@@ -1056,7 +1056,7 @@
           <a:p>
             <a:fld id="{09151B69-F0B1-4D1E-BEAA-664904E83C3A}" type="datetimeFigureOut">
               <a:rPr lang="zh-TW" altLang="en-US" smtClean="0"/>
-              <a:t>2017/4/23</a:t>
+              <a:t>2017/4/24</a:t>
             </a:fld>
             <a:endParaRPr lang="zh-TW" altLang="en-US"/>
           </a:p>
@@ -1344,7 +1344,7 @@
           <a:p>
             <a:fld id="{09151B69-F0B1-4D1E-BEAA-664904E83C3A}" type="datetimeFigureOut">
               <a:rPr lang="zh-TW" altLang="en-US" smtClean="0"/>
-              <a:t>2017/4/23</a:t>
+              <a:t>2017/4/24</a:t>
             </a:fld>
             <a:endParaRPr lang="zh-TW" altLang="en-US"/>
           </a:p>
@@ -1771,7 +1771,7 @@
           <a:p>
             <a:fld id="{09151B69-F0B1-4D1E-BEAA-664904E83C3A}" type="datetimeFigureOut">
               <a:rPr lang="zh-TW" altLang="en-US" smtClean="0"/>
-              <a:t>2017/4/23</a:t>
+              <a:t>2017/4/24</a:t>
             </a:fld>
             <a:endParaRPr lang="zh-TW" altLang="en-US"/>
           </a:p>
@@ -1889,7 +1889,7 @@
           <a:p>
             <a:fld id="{09151B69-F0B1-4D1E-BEAA-664904E83C3A}" type="datetimeFigureOut">
               <a:rPr lang="zh-TW" altLang="en-US" smtClean="0"/>
-              <a:t>2017/4/23</a:t>
+              <a:t>2017/4/24</a:t>
             </a:fld>
             <a:endParaRPr lang="zh-TW" altLang="en-US"/>
           </a:p>
@@ -1984,7 +1984,7 @@
           <a:p>
             <a:fld id="{09151B69-F0B1-4D1E-BEAA-664904E83C3A}" type="datetimeFigureOut">
               <a:rPr lang="zh-TW" altLang="en-US" smtClean="0"/>
-              <a:t>2017/4/23</a:t>
+              <a:t>2017/4/24</a:t>
             </a:fld>
             <a:endParaRPr lang="zh-TW" altLang="en-US"/>
           </a:p>
@@ -2261,7 +2261,7 @@
           <a:p>
             <a:fld id="{09151B69-F0B1-4D1E-BEAA-664904E83C3A}" type="datetimeFigureOut">
               <a:rPr lang="zh-TW" altLang="en-US" smtClean="0"/>
-              <a:t>2017/4/23</a:t>
+              <a:t>2017/4/24</a:t>
             </a:fld>
             <a:endParaRPr lang="zh-TW" altLang="en-US"/>
           </a:p>
@@ -2514,7 +2514,7 @@
           <a:p>
             <a:fld id="{09151B69-F0B1-4D1E-BEAA-664904E83C3A}" type="datetimeFigureOut">
               <a:rPr lang="zh-TW" altLang="en-US" smtClean="0"/>
-              <a:t>2017/4/23</a:t>
+              <a:t>2017/4/24</a:t>
             </a:fld>
             <a:endParaRPr lang="zh-TW" altLang="en-US"/>
           </a:p>
@@ -2727,7 +2727,7 @@
           <a:p>
             <a:fld id="{09151B69-F0B1-4D1E-BEAA-664904E83C3A}" type="datetimeFigureOut">
               <a:rPr lang="zh-TW" altLang="en-US" smtClean="0"/>
-              <a:t>2017/4/23</a:t>
+              <a:t>2017/4/24</a:t>
             </a:fld>
             <a:endParaRPr lang="zh-TW" altLang="en-US"/>
           </a:p>
@@ -3285,149 +3285,6 @@
           </a:extLst>
         </p:spPr>
       </p:pic>
-      <p:sp>
-        <p:nvSpPr>
-          <p:cNvPr id="3" name="文字方塊 2"/>
-          <p:cNvSpPr txBox="1"/>
-          <p:nvPr/>
-        </p:nvSpPr>
-        <p:spPr>
-          <a:xfrm>
-            <a:off x="3244200" y="9604722"/>
-            <a:ext cx="1800200" cy="1015663"/>
-          </a:xfrm>
-          <a:prstGeom prst="rect">
-            <a:avLst/>
-          </a:prstGeom>
-          <a:noFill/>
-        </p:spPr>
-        <p:txBody>
-          <a:bodyPr wrap="square" rtlCol="0">
-            <a:spAutoFit/>
-          </a:bodyPr>
-          <a:lstStyle/>
-          <a:p>
-            <a:r>
-              <a:rPr lang="zh-TW" altLang="en-US" sz="6000" dirty="0" smtClean="0">
-                <a:latin typeface="Adobe 繁黑體 Std B" pitchFamily="34" charset="-120"/>
-                <a:ea typeface="Adobe 繁黑體 Std B" pitchFamily="34" charset="-120"/>
-              </a:rPr>
-              <a:t>宗旨</a:t>
-            </a:r>
-            <a:endParaRPr lang="zh-TW" altLang="en-US" sz="6000" dirty="0">
-              <a:latin typeface="Adobe 繁黑體 Std B" pitchFamily="34" charset="-120"/>
-              <a:ea typeface="Adobe 繁黑體 Std B" pitchFamily="34" charset="-120"/>
-            </a:endParaRPr>
-          </a:p>
-        </p:txBody>
-      </p:sp>
-      <p:sp>
-        <p:nvSpPr>
-          <p:cNvPr id="4" name="文字方塊 3"/>
-          <p:cNvSpPr txBox="1"/>
-          <p:nvPr/>
-        </p:nvSpPr>
-        <p:spPr>
-          <a:xfrm>
-            <a:off x="7175326" y="9646344"/>
-            <a:ext cx="1800200" cy="1015663"/>
-          </a:xfrm>
-          <a:prstGeom prst="rect">
-            <a:avLst/>
-          </a:prstGeom>
-          <a:noFill/>
-        </p:spPr>
-        <p:txBody>
-          <a:bodyPr wrap="square" rtlCol="0">
-            <a:spAutoFit/>
-          </a:bodyPr>
-          <a:lstStyle/>
-          <a:p>
-            <a:r>
-              <a:rPr lang="zh-TW" altLang="en-US" sz="6000" dirty="0">
-                <a:latin typeface="Adobe 繁黑體 Std B" pitchFamily="34" charset="-120"/>
-                <a:ea typeface="Adobe 繁黑體 Std B" pitchFamily="34" charset="-120"/>
-              </a:rPr>
-              <a:t>目標</a:t>
-            </a:r>
-          </a:p>
-        </p:txBody>
-      </p:sp>
-      <p:sp>
-        <p:nvSpPr>
-          <p:cNvPr id="5" name="文字方塊 4"/>
-          <p:cNvSpPr txBox="1"/>
-          <p:nvPr/>
-        </p:nvSpPr>
-        <p:spPr>
-          <a:xfrm>
-            <a:off x="2546980" y="13211356"/>
-            <a:ext cx="3994750" cy="1015663"/>
-          </a:xfrm>
-          <a:prstGeom prst="rect">
-            <a:avLst/>
-          </a:prstGeom>
-          <a:noFill/>
-        </p:spPr>
-        <p:txBody>
-          <a:bodyPr wrap="square" rtlCol="0">
-            <a:spAutoFit/>
-          </a:bodyPr>
-          <a:lstStyle/>
-          <a:p>
-            <a:r>
-              <a:rPr lang="zh-TW" altLang="en-US" sz="6000" dirty="0">
-                <a:latin typeface="Adobe 繁黑體 Std B" pitchFamily="34" charset="-120"/>
-                <a:ea typeface="Adobe 繁黑體 Std B" pitchFamily="34" charset="-120"/>
-              </a:rPr>
-              <a:t>社團介紹</a:t>
-            </a:r>
-          </a:p>
-        </p:txBody>
-      </p:sp>
-      <p:sp>
-        <p:nvSpPr>
-          <p:cNvPr id="6" name="文字方塊 5"/>
-          <p:cNvSpPr txBox="1"/>
-          <p:nvPr/>
-        </p:nvSpPr>
-        <p:spPr>
-          <a:xfrm>
-            <a:off x="6561564" y="13211357"/>
-            <a:ext cx="3994750" cy="1015663"/>
-          </a:xfrm>
-          <a:prstGeom prst="rect">
-            <a:avLst/>
-          </a:prstGeom>
-          <a:noFill/>
-        </p:spPr>
-        <p:txBody>
-          <a:bodyPr wrap="square" rtlCol="0">
-            <a:spAutoFit/>
-          </a:bodyPr>
-          <a:lstStyle/>
-          <a:p>
-            <a:r>
-              <a:rPr lang="zh-TW" altLang="en-US" sz="6000" dirty="0">
-                <a:latin typeface="Adobe 繁黑體 Std B" pitchFamily="34" charset="-120"/>
-                <a:ea typeface="Adobe 繁黑體 Std B" pitchFamily="34" charset="-120"/>
-              </a:rPr>
-              <a:t>組織</a:t>
-            </a:r>
-            <a:r>
-              <a:rPr lang="zh-TW" altLang="en-US" sz="6000" dirty="0" smtClean="0">
-                <a:latin typeface="Adobe 繁黑體 Std B" pitchFamily="34" charset="-120"/>
-                <a:ea typeface="Adobe 繁黑體 Std B" pitchFamily="34" charset="-120"/>
-              </a:rPr>
-              <a:t>介紹</a:t>
-            </a:r>
-            <a:endParaRPr lang="zh-TW" altLang="en-US" sz="6000" dirty="0">
-              <a:latin typeface="Adobe 繁黑體 Std B" pitchFamily="34" charset="-120"/>
-              <a:ea typeface="Adobe 繁黑體 Std B" pitchFamily="34" charset="-120"/>
-            </a:endParaRPr>
-          </a:p>
-        </p:txBody>
-      </p:sp>
       <p:pic>
         <p:nvPicPr>
           <p:cNvPr id="7" name="圖片 6"/>
@@ -3450,7 +3307,7 @@
         </p:blipFill>
         <p:spPr>
           <a:xfrm>
-            <a:off x="15199" y="1091159"/>
+            <a:off x="27454" y="1091159"/>
             <a:ext cx="12175213" cy="6396177"/>
           </a:xfrm>
           <a:prstGeom prst="rect">
@@ -3488,6 +3345,290 @@
           </a:prstGeom>
         </p:spPr>
       </p:pic>
+      <p:pic>
+        <p:nvPicPr>
+          <p:cNvPr id="2" name="圖片 1"/>
+          <p:cNvPicPr>
+            <a:picLocks noChangeAspect="1"/>
+          </p:cNvPicPr>
+          <p:nvPr/>
+        </p:nvPicPr>
+        <p:blipFill>
+          <a:blip r:embed="rId5" cstate="print">
+            <a:extLst>
+              <a:ext uri="{28A0092B-C50C-407E-A947-70E740481C1C}">
+                <a14:useLocalDpi xmlns:a14="http://schemas.microsoft.com/office/drawing/2010/main" val="0"/>
+              </a:ext>
+            </a:extLst>
+          </a:blip>
+          <a:stretch>
+            <a:fillRect/>
+          </a:stretch>
+        </p:blipFill>
+        <p:spPr>
+          <a:xfrm>
+            <a:off x="2272300" y="8507983"/>
+            <a:ext cx="3678889" cy="3312368"/>
+          </a:xfrm>
+          <a:prstGeom prst="rect">
+            <a:avLst/>
+          </a:prstGeom>
+        </p:spPr>
+      </p:pic>
+      <p:pic>
+        <p:nvPicPr>
+          <p:cNvPr id="9" name="圖片 8"/>
+          <p:cNvPicPr>
+            <a:picLocks noChangeAspect="1"/>
+          </p:cNvPicPr>
+          <p:nvPr/>
+        </p:nvPicPr>
+        <p:blipFill>
+          <a:blip r:embed="rId6" cstate="print">
+            <a:extLst>
+              <a:ext uri="{28A0092B-C50C-407E-A947-70E740481C1C}">
+                <a14:useLocalDpi xmlns:a14="http://schemas.microsoft.com/office/drawing/2010/main" val="0"/>
+              </a:ext>
+            </a:extLst>
+          </a:blip>
+          <a:stretch>
+            <a:fillRect/>
+          </a:stretch>
+        </p:blipFill>
+        <p:spPr>
+          <a:xfrm>
+            <a:off x="6203426" y="8516590"/>
+            <a:ext cx="3744000" cy="3312369"/>
+          </a:xfrm>
+          <a:prstGeom prst="rect">
+            <a:avLst/>
+          </a:prstGeom>
+        </p:spPr>
+      </p:pic>
+      <p:pic>
+        <p:nvPicPr>
+          <p:cNvPr id="10" name="圖片 9"/>
+          <p:cNvPicPr>
+            <a:picLocks noChangeAspect="1"/>
+          </p:cNvPicPr>
+          <p:nvPr/>
+        </p:nvPicPr>
+        <p:blipFill>
+          <a:blip r:embed="rId7" cstate="print">
+            <a:extLst>
+              <a:ext uri="{28A0092B-C50C-407E-A947-70E740481C1C}">
+                <a14:useLocalDpi xmlns:a14="http://schemas.microsoft.com/office/drawing/2010/main" val="0"/>
+              </a:ext>
+            </a:extLst>
+          </a:blip>
+          <a:stretch>
+            <a:fillRect/>
+          </a:stretch>
+        </p:blipFill>
+        <p:spPr>
+          <a:xfrm>
+            <a:off x="2272300" y="12036375"/>
+            <a:ext cx="3678889" cy="3240360"/>
+          </a:xfrm>
+          <a:prstGeom prst="rect">
+            <a:avLst/>
+          </a:prstGeom>
+        </p:spPr>
+      </p:pic>
+      <p:pic>
+        <p:nvPicPr>
+          <p:cNvPr id="11" name="圖片 10"/>
+          <p:cNvPicPr>
+            <a:picLocks noChangeAspect="1"/>
+          </p:cNvPicPr>
+          <p:nvPr/>
+        </p:nvPicPr>
+        <p:blipFill>
+          <a:blip r:embed="rId8" cstate="print">
+            <a:extLst>
+              <a:ext uri="{28A0092B-C50C-407E-A947-70E740481C1C}">
+                <a14:useLocalDpi xmlns:a14="http://schemas.microsoft.com/office/drawing/2010/main" val="0"/>
+              </a:ext>
+            </a:extLst>
+          </a:blip>
+          <a:stretch>
+            <a:fillRect/>
+          </a:stretch>
+        </p:blipFill>
+        <p:spPr>
+          <a:xfrm>
+            <a:off x="6290081" y="12036375"/>
+            <a:ext cx="3657345" cy="3240360"/>
+          </a:xfrm>
+          <a:prstGeom prst="rect">
+            <a:avLst/>
+          </a:prstGeom>
+        </p:spPr>
+      </p:pic>
+      <p:sp>
+        <p:nvSpPr>
+          <p:cNvPr id="3" name="文字方塊 2"/>
+          <p:cNvSpPr txBox="1"/>
+          <p:nvPr/>
+        </p:nvSpPr>
+        <p:spPr>
+          <a:xfrm>
+            <a:off x="3244200" y="9718333"/>
+            <a:ext cx="1800200" cy="1015663"/>
+          </a:xfrm>
+          <a:prstGeom prst="rect">
+            <a:avLst/>
+          </a:prstGeom>
+          <a:noFill/>
+        </p:spPr>
+        <p:txBody>
+          <a:bodyPr wrap="square" rtlCol="0">
+            <a:spAutoFit/>
+          </a:bodyPr>
+          <a:lstStyle/>
+          <a:p>
+            <a:r>
+              <a:rPr lang="zh-TW" altLang="en-US" sz="6000" dirty="0" smtClean="0">
+                <a:solidFill>
+                  <a:schemeClr val="bg1"/>
+                </a:solidFill>
+                <a:latin typeface="Adobe 繁黑體 Std B" pitchFamily="34" charset="-120"/>
+                <a:ea typeface="Adobe 繁黑體 Std B" pitchFamily="34" charset="-120"/>
+              </a:rPr>
+              <a:t>宗旨</a:t>
+            </a:r>
+            <a:endParaRPr lang="zh-TW" altLang="en-US" sz="6000" dirty="0">
+              <a:solidFill>
+                <a:schemeClr val="bg1"/>
+              </a:solidFill>
+              <a:latin typeface="Adobe 繁黑體 Std B" pitchFamily="34" charset="-120"/>
+              <a:ea typeface="Adobe 繁黑體 Std B" pitchFamily="34" charset="-120"/>
+            </a:endParaRPr>
+          </a:p>
+        </p:txBody>
+      </p:sp>
+      <p:sp>
+        <p:nvSpPr>
+          <p:cNvPr id="4" name="文字方塊 3"/>
+          <p:cNvSpPr txBox="1"/>
+          <p:nvPr/>
+        </p:nvSpPr>
+        <p:spPr>
+          <a:xfrm>
+            <a:off x="7175326" y="9759955"/>
+            <a:ext cx="1800200" cy="1015663"/>
+          </a:xfrm>
+          <a:prstGeom prst="rect">
+            <a:avLst/>
+          </a:prstGeom>
+          <a:noFill/>
+        </p:spPr>
+        <p:txBody>
+          <a:bodyPr wrap="square" rtlCol="0">
+            <a:spAutoFit/>
+          </a:bodyPr>
+          <a:lstStyle/>
+          <a:p>
+            <a:r>
+              <a:rPr lang="zh-TW" altLang="en-US" sz="6000" dirty="0">
+                <a:solidFill>
+                  <a:schemeClr val="bg1"/>
+                </a:solidFill>
+                <a:latin typeface="Adobe 繁黑體 Std B" pitchFamily="34" charset="-120"/>
+                <a:ea typeface="Adobe 繁黑體 Std B" pitchFamily="34" charset="-120"/>
+              </a:rPr>
+              <a:t>目標</a:t>
+            </a:r>
+          </a:p>
+        </p:txBody>
+      </p:sp>
+      <p:sp>
+        <p:nvSpPr>
+          <p:cNvPr id="5" name="文字方塊 4"/>
+          <p:cNvSpPr txBox="1"/>
+          <p:nvPr/>
+        </p:nvSpPr>
+        <p:spPr>
+          <a:xfrm>
+            <a:off x="2546980" y="13324967"/>
+            <a:ext cx="3994750" cy="1015663"/>
+          </a:xfrm>
+          <a:prstGeom prst="rect">
+            <a:avLst/>
+          </a:prstGeom>
+          <a:noFill/>
+        </p:spPr>
+        <p:txBody>
+          <a:bodyPr wrap="square" rtlCol="0">
+            <a:spAutoFit/>
+          </a:bodyPr>
+          <a:lstStyle/>
+          <a:p>
+            <a:r>
+              <a:rPr lang="zh-TW" altLang="en-US" sz="6000" dirty="0">
+                <a:solidFill>
+                  <a:schemeClr val="bg1"/>
+                </a:solidFill>
+                <a:latin typeface="Adobe 繁黑體 Std B" pitchFamily="34" charset="-120"/>
+                <a:ea typeface="Adobe 繁黑體 Std B" pitchFamily="34" charset="-120"/>
+              </a:rPr>
+              <a:t>社團介紹</a:t>
+            </a:r>
+          </a:p>
+        </p:txBody>
+      </p:sp>
+      <p:sp>
+        <p:nvSpPr>
+          <p:cNvPr id="6" name="文字方塊 5"/>
+          <p:cNvSpPr txBox="1"/>
+          <p:nvPr/>
+        </p:nvSpPr>
+        <p:spPr>
+          <a:xfrm>
+            <a:off x="6561564" y="13324968"/>
+            <a:ext cx="3994750" cy="1015663"/>
+          </a:xfrm>
+          <a:prstGeom prst="rect">
+            <a:avLst/>
+          </a:prstGeom>
+          <a:noFill/>
+        </p:spPr>
+        <p:txBody>
+          <a:bodyPr wrap="square" rtlCol="0">
+            <a:spAutoFit/>
+          </a:bodyPr>
+          <a:lstStyle/>
+          <a:p>
+            <a:r>
+              <a:rPr lang="zh-TW" altLang="en-US" sz="6000" dirty="0">
+                <a:solidFill>
+                  <a:schemeClr val="bg1"/>
+                </a:solidFill>
+                <a:latin typeface="Adobe 繁黑體 Std B" pitchFamily="34" charset="-120"/>
+                <a:ea typeface="Adobe 繁黑體 Std B" pitchFamily="34" charset="-120"/>
+              </a:rPr>
+              <a:t>組織</a:t>
+            </a:r>
+            <a:r>
+              <a:rPr lang="zh-TW" altLang="en-US" sz="6000" dirty="0" smtClean="0">
+                <a:solidFill>
+                  <a:schemeClr val="bg1"/>
+                </a:solidFill>
+                <a:latin typeface="Adobe 繁黑體 Std B" pitchFamily="34" charset="-120"/>
+                <a:ea typeface="Adobe 繁黑體 Std B" pitchFamily="34" charset="-120"/>
+              </a:rPr>
+              <a:t>介紹</a:t>
+            </a:r>
+            <a:endParaRPr lang="zh-TW" altLang="en-US" sz="6000" dirty="0">
+              <a:solidFill>
+                <a:schemeClr val="bg1"/>
+              </a:solidFill>
+              <a:latin typeface="Adobe 繁黑體 Std B" pitchFamily="34" charset="-120"/>
+              <a:ea typeface="Adobe 繁黑體 Std B" pitchFamily="34" charset="-120"/>
+            </a:endParaRPr>
+          </a:p>
+        </p:txBody>
+      </p:sp>
     </p:spTree>
     <p:extLst>
       <p:ext uri="{BB962C8B-B14F-4D97-AF65-F5344CB8AC3E}">
